--- a/fig/figure.pptx
+++ b/fig/figure.pptx
@@ -7,6 +7,7 @@
   <p:sldIdLst>
     <p:sldId id="256" r:id="rId2"/>
     <p:sldId id="257" r:id="rId3"/>
+    <p:sldId id="258" r:id="rId4"/>
   </p:sldIdLst>
   <p:sldSz cx="9144000" cy="6858000" type="screen4x3"/>
   <p:notesSz cx="6858000" cy="9144000"/>
@@ -289,7 +290,7 @@
           <a:p>
             <a:fld id="{AC850509-64E3-E24B-9F03-8F6E4006AC67}" type="datetimeFigureOut">
               <a:rPr kumimoji="1" lang="ja-JP" altLang="en-US" smtClean="0"/>
-              <a:t>2016/02/18</a:t>
+              <a:t>2016/02/19</a:t>
             </a:fld>
             <a:endParaRPr kumimoji="1" lang="ja-JP" altLang="en-US"/>
           </a:p>
@@ -491,7 +492,7 @@
           <a:p>
             <a:fld id="{AC850509-64E3-E24B-9F03-8F6E4006AC67}" type="datetimeFigureOut">
               <a:rPr kumimoji="1" lang="ja-JP" altLang="en-US" smtClean="0"/>
-              <a:t>2016/02/18</a:t>
+              <a:t>2016/02/19</a:t>
             </a:fld>
             <a:endParaRPr kumimoji="1" lang="ja-JP" altLang="en-US"/>
           </a:p>
@@ -703,7 +704,7 @@
           <a:p>
             <a:fld id="{AC850509-64E3-E24B-9F03-8F6E4006AC67}" type="datetimeFigureOut">
               <a:rPr kumimoji="1" lang="ja-JP" altLang="en-US" smtClean="0"/>
-              <a:t>2016/02/18</a:t>
+              <a:t>2016/02/19</a:t>
             </a:fld>
             <a:endParaRPr kumimoji="1" lang="ja-JP" altLang="en-US"/>
           </a:p>
@@ -905,7 +906,7 @@
           <a:p>
             <a:fld id="{AC850509-64E3-E24B-9F03-8F6E4006AC67}" type="datetimeFigureOut">
               <a:rPr kumimoji="1" lang="ja-JP" altLang="en-US" smtClean="0"/>
-              <a:t>2016/02/18</a:t>
+              <a:t>2016/02/19</a:t>
             </a:fld>
             <a:endParaRPr kumimoji="1" lang="ja-JP" altLang="en-US"/>
           </a:p>
@@ -1151,7 +1152,7 @@
           <a:p>
             <a:fld id="{AC850509-64E3-E24B-9F03-8F6E4006AC67}" type="datetimeFigureOut">
               <a:rPr kumimoji="1" lang="ja-JP" altLang="en-US" smtClean="0"/>
-              <a:t>2016/02/18</a:t>
+              <a:t>2016/02/19</a:t>
             </a:fld>
             <a:endParaRPr kumimoji="1" lang="ja-JP" altLang="en-US"/>
           </a:p>
@@ -1503,7 +1504,7 @@
           <a:p>
             <a:fld id="{AC850509-64E3-E24B-9F03-8F6E4006AC67}" type="datetimeFigureOut">
               <a:rPr kumimoji="1" lang="ja-JP" altLang="en-US" smtClean="0"/>
-              <a:t>2016/02/18</a:t>
+              <a:t>2016/02/19</a:t>
             </a:fld>
             <a:endParaRPr kumimoji="1" lang="ja-JP" altLang="en-US"/>
           </a:p>
@@ -1989,7 +1990,7 @@
           <a:p>
             <a:fld id="{AC850509-64E3-E24B-9F03-8F6E4006AC67}" type="datetimeFigureOut">
               <a:rPr kumimoji="1" lang="ja-JP" altLang="en-US" smtClean="0"/>
-              <a:t>2016/02/18</a:t>
+              <a:t>2016/02/19</a:t>
             </a:fld>
             <a:endParaRPr kumimoji="1" lang="ja-JP" altLang="en-US"/>
           </a:p>
@@ -2107,7 +2108,7 @@
           <a:p>
             <a:fld id="{AC850509-64E3-E24B-9F03-8F6E4006AC67}" type="datetimeFigureOut">
               <a:rPr kumimoji="1" lang="ja-JP" altLang="en-US" smtClean="0"/>
-              <a:t>2016/02/18</a:t>
+              <a:t>2016/02/19</a:t>
             </a:fld>
             <a:endParaRPr kumimoji="1" lang="ja-JP" altLang="en-US"/>
           </a:p>
@@ -2202,7 +2203,7 @@
           <a:p>
             <a:fld id="{AC850509-64E3-E24B-9F03-8F6E4006AC67}" type="datetimeFigureOut">
               <a:rPr kumimoji="1" lang="ja-JP" altLang="en-US" smtClean="0"/>
-              <a:t>2016/02/18</a:t>
+              <a:t>2016/02/19</a:t>
             </a:fld>
             <a:endParaRPr kumimoji="1" lang="ja-JP" altLang="en-US"/>
           </a:p>
@@ -2511,7 +2512,7 @@
           <a:p>
             <a:fld id="{AC850509-64E3-E24B-9F03-8F6E4006AC67}" type="datetimeFigureOut">
               <a:rPr kumimoji="1" lang="ja-JP" altLang="en-US" smtClean="0"/>
-              <a:t>2016/02/18</a:t>
+              <a:t>2016/02/19</a:t>
             </a:fld>
             <a:endParaRPr kumimoji="1" lang="ja-JP" altLang="en-US"/>
           </a:p>
@@ -2764,7 +2765,7 @@
           <a:p>
             <a:fld id="{AC850509-64E3-E24B-9F03-8F6E4006AC67}" type="datetimeFigureOut">
               <a:rPr kumimoji="1" lang="ja-JP" altLang="en-US" smtClean="0"/>
-              <a:t>2016/02/18</a:t>
+              <a:t>2016/02/19</a:t>
             </a:fld>
             <a:endParaRPr kumimoji="1" lang="ja-JP" altLang="en-US"/>
           </a:p>
@@ -3009,7 +3010,7 @@
           <a:p>
             <a:fld id="{AC850509-64E3-E24B-9F03-8F6E4006AC67}" type="datetimeFigureOut">
               <a:rPr kumimoji="1" lang="ja-JP" altLang="en-US" smtClean="0"/>
-              <a:t>2016/02/18</a:t>
+              <a:t>2016/02/19</a:t>
             </a:fld>
             <a:endParaRPr kumimoji="1" lang="ja-JP" altLang="en-US"/>
           </a:p>
@@ -4238,15 +4239,7 @@
                   <a:srgbClr val="0000FF"/>
                 </a:solidFill>
               </a:rPr>
-              <a:t>取り出しだいもの</a:t>
-            </a:r>
-            <a:r>
-              <a:rPr kumimoji="1" lang="ja-JP" altLang="en-US" sz="2400" dirty="0" smtClean="0">
-                <a:solidFill>
-                  <a:srgbClr val="0000FF"/>
-                </a:solidFill>
-              </a:rPr>
-              <a:t>は</a:t>
+              <a:t>取り出しだいものは</a:t>
             </a:r>
             <a:endParaRPr lang="en-US" altLang="ja-JP" sz="2400" dirty="0">
               <a:solidFill>
@@ -4761,6 +4754,1247 @@
       </p:par>
     </p:tnLst>
   </p:timing>
+</p:sld>
+</file>
+
+<file path=ppt/slides/slide3.xml><?xml version="1.0" encoding="utf-8"?>
+<p:sld xmlns:a="http://schemas.openxmlformats.org/drawingml/2006/main" xmlns:r="http://schemas.openxmlformats.org/officeDocument/2006/relationships" xmlns:p="http://schemas.openxmlformats.org/presentationml/2006/main">
+  <p:cSld>
+    <p:spTree>
+      <p:nvGrpSpPr>
+        <p:cNvPr id="1" name=""/>
+        <p:cNvGrpSpPr/>
+        <p:nvPr/>
+      </p:nvGrpSpPr>
+      <p:grpSpPr>
+        <a:xfrm>
+          <a:off x="0" y="0"/>
+          <a:ext cx="0" cy="0"/>
+          <a:chOff x="0" y="0"/>
+          <a:chExt cx="0" cy="0"/>
+        </a:xfrm>
+      </p:grpSpPr>
+      <p:grpSp>
+        <p:nvGrpSpPr>
+          <p:cNvPr id="4" name="図形グループ 3"/>
+          <p:cNvGrpSpPr/>
+          <p:nvPr/>
+        </p:nvGrpSpPr>
+        <p:grpSpPr>
+          <a:xfrm>
+            <a:off x="987167" y="197833"/>
+            <a:ext cx="1339525" cy="2804757"/>
+            <a:chOff x="2139631" y="1165469"/>
+            <a:chExt cx="1339525" cy="2804757"/>
+          </a:xfrm>
+        </p:grpSpPr>
+        <p:cxnSp>
+          <p:nvCxnSpPr>
+            <p:cNvPr id="5" name="直線コネクタ 4"/>
+            <p:cNvCxnSpPr/>
+            <p:nvPr/>
+          </p:nvCxnSpPr>
+          <p:spPr>
+            <a:xfrm flipV="1">
+              <a:off x="2139631" y="1165469"/>
+              <a:ext cx="1339525" cy="1252443"/>
+            </a:xfrm>
+            <a:prstGeom prst="line">
+              <a:avLst/>
+            </a:prstGeom>
+            <a:ln>
+              <a:solidFill>
+                <a:schemeClr val="tx1"/>
+              </a:solidFill>
+            </a:ln>
+            <a:effectLst/>
+          </p:spPr>
+          <p:style>
+            <a:lnRef idx="2">
+              <a:schemeClr val="accent1"/>
+            </a:lnRef>
+            <a:fillRef idx="0">
+              <a:schemeClr val="accent1"/>
+            </a:fillRef>
+            <a:effectRef idx="1">
+              <a:schemeClr val="accent1"/>
+            </a:effectRef>
+            <a:fontRef idx="minor">
+              <a:schemeClr val="tx1"/>
+            </a:fontRef>
+          </p:style>
+        </p:cxnSp>
+        <p:cxnSp>
+          <p:nvCxnSpPr>
+            <p:cNvPr id="6" name="直線コネクタ 5"/>
+            <p:cNvCxnSpPr/>
+            <p:nvPr/>
+          </p:nvCxnSpPr>
+          <p:spPr>
+            <a:xfrm flipV="1">
+              <a:off x="3479156" y="1165469"/>
+              <a:ext cx="0" cy="1552314"/>
+            </a:xfrm>
+            <a:prstGeom prst="line">
+              <a:avLst/>
+            </a:prstGeom>
+            <a:ln>
+              <a:solidFill>
+                <a:schemeClr val="tx1"/>
+              </a:solidFill>
+            </a:ln>
+            <a:effectLst/>
+          </p:spPr>
+          <p:style>
+            <a:lnRef idx="2">
+              <a:schemeClr val="accent1"/>
+            </a:lnRef>
+            <a:fillRef idx="0">
+              <a:schemeClr val="accent1"/>
+            </a:fillRef>
+            <a:effectRef idx="1">
+              <a:schemeClr val="accent1"/>
+            </a:effectRef>
+            <a:fontRef idx="minor">
+              <a:schemeClr val="tx1"/>
+            </a:fontRef>
+          </p:style>
+        </p:cxnSp>
+        <p:cxnSp>
+          <p:nvCxnSpPr>
+            <p:cNvPr id="7" name="直線コネクタ 6"/>
+            <p:cNvCxnSpPr/>
+            <p:nvPr/>
+          </p:nvCxnSpPr>
+          <p:spPr>
+            <a:xfrm flipV="1">
+              <a:off x="2139631" y="2417912"/>
+              <a:ext cx="0" cy="1552314"/>
+            </a:xfrm>
+            <a:prstGeom prst="line">
+              <a:avLst/>
+            </a:prstGeom>
+            <a:ln>
+              <a:solidFill>
+                <a:schemeClr val="tx1"/>
+              </a:solidFill>
+            </a:ln>
+            <a:effectLst/>
+          </p:spPr>
+          <p:style>
+            <a:lnRef idx="2">
+              <a:schemeClr val="accent1"/>
+            </a:lnRef>
+            <a:fillRef idx="0">
+              <a:schemeClr val="accent1"/>
+            </a:fillRef>
+            <a:effectRef idx="1">
+              <a:schemeClr val="accent1"/>
+            </a:effectRef>
+            <a:fontRef idx="minor">
+              <a:schemeClr val="tx1"/>
+            </a:fontRef>
+          </p:style>
+        </p:cxnSp>
+        <p:cxnSp>
+          <p:nvCxnSpPr>
+            <p:cNvPr id="8" name="直線コネクタ 7"/>
+            <p:cNvCxnSpPr/>
+            <p:nvPr/>
+          </p:nvCxnSpPr>
+          <p:spPr>
+            <a:xfrm flipV="1">
+              <a:off x="2139631" y="2717783"/>
+              <a:ext cx="1339525" cy="1252443"/>
+            </a:xfrm>
+            <a:prstGeom prst="line">
+              <a:avLst/>
+            </a:prstGeom>
+            <a:ln>
+              <a:solidFill>
+                <a:schemeClr val="tx1"/>
+              </a:solidFill>
+            </a:ln>
+            <a:effectLst/>
+          </p:spPr>
+          <p:style>
+            <a:lnRef idx="2">
+              <a:schemeClr val="accent1"/>
+            </a:lnRef>
+            <a:fillRef idx="0">
+              <a:schemeClr val="accent1"/>
+            </a:fillRef>
+            <a:effectRef idx="1">
+              <a:schemeClr val="accent1"/>
+            </a:effectRef>
+            <a:fontRef idx="minor">
+              <a:schemeClr val="tx1"/>
+            </a:fontRef>
+          </p:style>
+        </p:cxnSp>
+      </p:grpSp>
+      <p:sp>
+        <p:nvSpPr>
+          <p:cNvPr id="9" name="テキスト ボックス 8"/>
+          <p:cNvSpPr txBox="1"/>
+          <p:nvPr/>
+        </p:nvSpPr>
+        <p:spPr>
+          <a:xfrm>
+            <a:off x="482672" y="1040796"/>
+            <a:ext cx="2472251" cy="923330"/>
+          </a:xfrm>
+          <a:prstGeom prst="rect">
+            <a:avLst/>
+          </a:prstGeom>
+          <a:noFill/>
+          <a:scene3d>
+            <a:camera prst="orthographicFront">
+              <a:rot lat="1800000" lon="17999983" rev="0"/>
+            </a:camera>
+            <a:lightRig rig="threePt" dir="t"/>
+          </a:scene3d>
+        </p:spPr>
+        <p:txBody>
+          <a:bodyPr wrap="none" rtlCol="0">
+            <a:spAutoFit/>
+          </a:bodyPr>
+          <a:lstStyle/>
+          <a:p>
+            <a:r>
+              <a:rPr kumimoji="1" lang="en-US" altLang="ja-JP" dirty="0" smtClean="0"/>
+              <a:t>$.subject()</a:t>
+            </a:r>
+          </a:p>
+          <a:p>
+            <a:r>
+              <a:rPr lang="en-US" altLang="ja-JP" dirty="0" smtClean="0"/>
+              <a:t>$.object()</a:t>
+            </a:r>
+          </a:p>
+          <a:p>
+            <a:r>
+              <a:rPr kumimoji="1" lang="en-US" altLang="ja-JP" dirty="0" smtClean="0"/>
+              <a:t>$.location(2,morpheme)</a:t>
+            </a:r>
+            <a:endParaRPr kumimoji="1" lang="ja-JP" altLang="en-US" dirty="0"/>
+          </a:p>
+        </p:txBody>
+      </p:sp>
+      <p:sp>
+        <p:nvSpPr>
+          <p:cNvPr id="10" name="テキスト ボックス 9"/>
+          <p:cNvSpPr txBox="1"/>
+          <p:nvPr/>
+        </p:nvSpPr>
+        <p:spPr>
+          <a:xfrm>
+            <a:off x="-87112" y="1434983"/>
+            <a:ext cx="2538976" cy="646331"/>
+          </a:xfrm>
+          <a:prstGeom prst="rect">
+            <a:avLst/>
+          </a:prstGeom>
+          <a:noFill/>
+          <a:scene3d>
+            <a:camera prst="orthographicFront">
+              <a:rot lat="1500000" lon="17999980" rev="0"/>
+            </a:camera>
+            <a:lightRig rig="threePt" dir="t"/>
+          </a:scene3d>
+        </p:spPr>
+        <p:txBody>
+          <a:bodyPr wrap="none" rtlCol="0">
+            <a:spAutoFit/>
+          </a:bodyPr>
+          <a:lstStyle/>
+          <a:p>
+            <a:r>
+              <a:rPr kumimoji="1" lang="ja-JP" altLang="en-US" dirty="0" smtClean="0"/>
+              <a:t>今日は岡山で桃とブドウ</a:t>
+            </a:r>
+            <a:endParaRPr kumimoji="1" lang="en-US" altLang="ja-JP" dirty="0" smtClean="0"/>
+          </a:p>
+          <a:p>
+            <a:r>
+              <a:rPr lang="ja-JP" altLang="en-US" dirty="0" smtClean="0"/>
+              <a:t>を買って帰りました．</a:t>
+            </a:r>
+            <a:endParaRPr kumimoji="1" lang="ja-JP" altLang="en-US" dirty="0"/>
+          </a:p>
+        </p:txBody>
+      </p:sp>
+      <p:cxnSp>
+        <p:nvCxnSpPr>
+          <p:cNvPr id="11" name="直線コネクタ 10"/>
+          <p:cNvCxnSpPr/>
+          <p:nvPr/>
+        </p:nvCxnSpPr>
+        <p:spPr>
+          <a:xfrm flipV="1">
+            <a:off x="517595" y="205835"/>
+            <a:ext cx="1339525" cy="1252443"/>
+          </a:xfrm>
+          <a:prstGeom prst="line">
+            <a:avLst/>
+          </a:prstGeom>
+          <a:ln>
+            <a:solidFill>
+              <a:schemeClr val="tx1"/>
+            </a:solidFill>
+          </a:ln>
+          <a:effectLst/>
+        </p:spPr>
+        <p:style>
+          <a:lnRef idx="2">
+            <a:schemeClr val="accent1"/>
+          </a:lnRef>
+          <a:fillRef idx="0">
+            <a:schemeClr val="accent1"/>
+          </a:fillRef>
+          <a:effectRef idx="1">
+            <a:schemeClr val="accent1"/>
+          </a:effectRef>
+          <a:fontRef idx="minor">
+            <a:schemeClr val="tx1"/>
+          </a:fontRef>
+        </p:style>
+      </p:cxnSp>
+      <p:cxnSp>
+        <p:nvCxnSpPr>
+          <p:cNvPr id="12" name="直線コネクタ 11"/>
+          <p:cNvCxnSpPr/>
+          <p:nvPr/>
+        </p:nvCxnSpPr>
+        <p:spPr>
+          <a:xfrm flipV="1">
+            <a:off x="1857120" y="205835"/>
+            <a:ext cx="0" cy="1552314"/>
+          </a:xfrm>
+          <a:prstGeom prst="line">
+            <a:avLst/>
+          </a:prstGeom>
+          <a:ln>
+            <a:solidFill>
+              <a:schemeClr val="tx1"/>
+            </a:solidFill>
+          </a:ln>
+          <a:effectLst/>
+        </p:spPr>
+        <p:style>
+          <a:lnRef idx="2">
+            <a:schemeClr val="accent1"/>
+          </a:lnRef>
+          <a:fillRef idx="0">
+            <a:schemeClr val="accent1"/>
+          </a:fillRef>
+          <a:effectRef idx="1">
+            <a:schemeClr val="accent1"/>
+          </a:effectRef>
+          <a:fontRef idx="minor">
+            <a:schemeClr val="tx1"/>
+          </a:fontRef>
+        </p:style>
+      </p:cxnSp>
+      <p:cxnSp>
+        <p:nvCxnSpPr>
+          <p:cNvPr id="13" name="直線コネクタ 12"/>
+          <p:cNvCxnSpPr/>
+          <p:nvPr/>
+        </p:nvCxnSpPr>
+        <p:spPr>
+          <a:xfrm flipV="1">
+            <a:off x="517595" y="1458278"/>
+            <a:ext cx="0" cy="1552314"/>
+          </a:xfrm>
+          <a:prstGeom prst="line">
+            <a:avLst/>
+          </a:prstGeom>
+          <a:ln>
+            <a:solidFill>
+              <a:schemeClr val="tx1"/>
+            </a:solidFill>
+          </a:ln>
+          <a:effectLst/>
+        </p:spPr>
+        <p:style>
+          <a:lnRef idx="2">
+            <a:schemeClr val="accent1"/>
+          </a:lnRef>
+          <a:fillRef idx="0">
+            <a:schemeClr val="accent1"/>
+          </a:fillRef>
+          <a:effectRef idx="1">
+            <a:schemeClr val="accent1"/>
+          </a:effectRef>
+          <a:fontRef idx="minor">
+            <a:schemeClr val="tx1"/>
+          </a:fontRef>
+        </p:style>
+      </p:cxnSp>
+      <p:cxnSp>
+        <p:nvCxnSpPr>
+          <p:cNvPr id="14" name="直線コネクタ 13"/>
+          <p:cNvCxnSpPr/>
+          <p:nvPr/>
+        </p:nvCxnSpPr>
+        <p:spPr>
+          <a:xfrm flipV="1">
+            <a:off x="517595" y="1758149"/>
+            <a:ext cx="1339525" cy="1252443"/>
+          </a:xfrm>
+          <a:prstGeom prst="line">
+            <a:avLst/>
+          </a:prstGeom>
+          <a:ln>
+            <a:solidFill>
+              <a:schemeClr val="tx1"/>
+            </a:solidFill>
+          </a:ln>
+          <a:effectLst/>
+        </p:spPr>
+        <p:style>
+          <a:lnRef idx="2">
+            <a:schemeClr val="accent1"/>
+          </a:lnRef>
+          <a:fillRef idx="0">
+            <a:schemeClr val="accent1"/>
+          </a:fillRef>
+          <a:effectRef idx="1">
+            <a:schemeClr val="accent1"/>
+          </a:effectRef>
+          <a:fontRef idx="minor">
+            <a:schemeClr val="tx1"/>
+          </a:fontRef>
+        </p:style>
+      </p:cxnSp>
+      <p:sp>
+        <p:nvSpPr>
+          <p:cNvPr id="15" name="テキスト ボックス 14"/>
+          <p:cNvSpPr txBox="1"/>
+          <p:nvPr/>
+        </p:nvSpPr>
+        <p:spPr>
+          <a:xfrm>
+            <a:off x="302420" y="300809"/>
+            <a:ext cx="902811" cy="523220"/>
+          </a:xfrm>
+          <a:prstGeom prst="rect">
+            <a:avLst/>
+          </a:prstGeom>
+          <a:noFill/>
+        </p:spPr>
+        <p:txBody>
+          <a:bodyPr wrap="none" rtlCol="0">
+            <a:spAutoFit/>
+          </a:bodyPr>
+          <a:lstStyle/>
+          <a:p>
+            <a:r>
+              <a:rPr kumimoji="1" lang="ja-JP" altLang="en-US" sz="2800" dirty="0" smtClean="0"/>
+              <a:t>文章</a:t>
+            </a:r>
+            <a:endParaRPr kumimoji="1" lang="ja-JP" altLang="en-US" sz="2800" dirty="0"/>
+          </a:p>
+        </p:txBody>
+      </p:sp>
+      <p:sp>
+        <p:nvSpPr>
+          <p:cNvPr id="18" name="左中かっこ 17"/>
+          <p:cNvSpPr/>
+          <p:nvPr/>
+        </p:nvSpPr>
+        <p:spPr>
+          <a:xfrm>
+            <a:off x="777262" y="3046096"/>
+            <a:ext cx="347929" cy="714047"/>
+          </a:xfrm>
+          <a:prstGeom prst="leftBrace">
+            <a:avLst/>
+          </a:prstGeom>
+          <a:ln>
+            <a:solidFill>
+              <a:schemeClr val="tx1"/>
+            </a:solidFill>
+          </a:ln>
+          <a:effectLst/>
+          <a:scene3d>
+            <a:camera prst="orthographicFront">
+              <a:rot lat="0" lon="0" rev="5400000"/>
+            </a:camera>
+            <a:lightRig rig="threePt" dir="t"/>
+          </a:scene3d>
+        </p:spPr>
+        <p:style>
+          <a:lnRef idx="2">
+            <a:schemeClr val="accent1"/>
+          </a:lnRef>
+          <a:fillRef idx="0">
+            <a:schemeClr val="accent1"/>
+          </a:fillRef>
+          <a:effectRef idx="1">
+            <a:schemeClr val="accent1"/>
+          </a:effectRef>
+          <a:fontRef idx="minor">
+            <a:schemeClr val="tx1"/>
+          </a:fontRef>
+        </p:style>
+        <p:txBody>
+          <a:bodyPr rtlCol="0" anchor="ctr"/>
+          <a:lstStyle/>
+          <a:p>
+            <a:pPr algn="ctr"/>
+            <a:endParaRPr kumimoji="1" lang="ja-JP" altLang="en-US"/>
+          </a:p>
+        </p:txBody>
+      </p:sp>
+      <p:sp>
+        <p:nvSpPr>
+          <p:cNvPr id="19" name="テキスト ボックス 18"/>
+          <p:cNvSpPr txBox="1"/>
+          <p:nvPr/>
+        </p:nvSpPr>
+        <p:spPr>
+          <a:xfrm>
+            <a:off x="6655119" y="3219494"/>
+            <a:ext cx="2065139" cy="830997"/>
+          </a:xfrm>
+          <a:prstGeom prst="rect">
+            <a:avLst/>
+          </a:prstGeom>
+          <a:noFill/>
+        </p:spPr>
+        <p:txBody>
+          <a:bodyPr wrap="none" rtlCol="0">
+            <a:spAutoFit/>
+          </a:bodyPr>
+          <a:lstStyle/>
+          <a:p>
+            <a:r>
+              <a:rPr kumimoji="1" lang="ja-JP" altLang="en-US" sz="2400" dirty="0" smtClean="0"/>
+              <a:t>ユーザの</a:t>
+            </a:r>
+            <a:r>
+              <a:rPr kumimoji="1" lang="ja-JP" altLang="en-US" sz="2400" dirty="0" smtClean="0"/>
+              <a:t>処理</a:t>
+            </a:r>
+            <a:endParaRPr kumimoji="1" lang="en-US" altLang="ja-JP" sz="2400" dirty="0" smtClean="0"/>
+          </a:p>
+          <a:p>
+            <a:r>
+              <a:rPr kumimoji="1" lang="en-US" altLang="ja-JP" sz="2400" dirty="0" smtClean="0"/>
+              <a:t> </a:t>
+            </a:r>
+            <a:r>
+              <a:rPr kumimoji="1" lang="en-US" altLang="ja-JP" sz="2400" dirty="0" smtClean="0"/>
+              <a:t>(</a:t>
+            </a:r>
+            <a:r>
+              <a:rPr kumimoji="1" lang="ja-JP" altLang="en-US" sz="2400" dirty="0" smtClean="0"/>
+              <a:t>ある実タスク</a:t>
+            </a:r>
+            <a:r>
+              <a:rPr kumimoji="1" lang="en-US" altLang="ja-JP" sz="2400" dirty="0" smtClean="0"/>
+              <a:t>)</a:t>
+            </a:r>
+            <a:endParaRPr kumimoji="1" lang="ja-JP" altLang="en-US" sz="2400" dirty="0"/>
+          </a:p>
+        </p:txBody>
+      </p:sp>
+      <p:sp>
+        <p:nvSpPr>
+          <p:cNvPr id="20" name="右矢印 19"/>
+          <p:cNvSpPr/>
+          <p:nvPr/>
+        </p:nvSpPr>
+        <p:spPr>
+          <a:xfrm>
+            <a:off x="2326692" y="2594934"/>
+            <a:ext cx="2556169" cy="569804"/>
+          </a:xfrm>
+          <a:prstGeom prst="rightArrow">
+            <a:avLst/>
+          </a:prstGeom>
+          <a:noFill/>
+          <a:ln>
+            <a:solidFill>
+              <a:srgbClr val="FF0000"/>
+            </a:solidFill>
+          </a:ln>
+          <a:effectLst/>
+        </p:spPr>
+        <p:style>
+          <a:lnRef idx="1">
+            <a:schemeClr val="accent1"/>
+          </a:lnRef>
+          <a:fillRef idx="3">
+            <a:schemeClr val="accent1"/>
+          </a:fillRef>
+          <a:effectRef idx="2">
+            <a:schemeClr val="accent1"/>
+          </a:effectRef>
+          <a:fontRef idx="minor">
+            <a:schemeClr val="lt1"/>
+          </a:fontRef>
+        </p:style>
+        <p:txBody>
+          <a:bodyPr rtlCol="0" anchor="ctr"/>
+          <a:lstStyle/>
+          <a:p>
+            <a:pPr algn="ctr"/>
+            <a:endParaRPr kumimoji="1" lang="ja-JP" altLang="en-US"/>
+          </a:p>
+        </p:txBody>
+      </p:sp>
+      <p:sp>
+        <p:nvSpPr>
+          <p:cNvPr id="21" name="左矢印 20"/>
+          <p:cNvSpPr/>
+          <p:nvPr/>
+        </p:nvSpPr>
+        <p:spPr>
+          <a:xfrm>
+            <a:off x="2427735" y="1670865"/>
+            <a:ext cx="2572449" cy="439563"/>
+          </a:xfrm>
+          <a:prstGeom prst="leftArrow">
+            <a:avLst/>
+          </a:prstGeom>
+          <a:noFill/>
+          <a:ln>
+            <a:solidFill>
+              <a:srgbClr val="FF0000"/>
+            </a:solidFill>
+          </a:ln>
+          <a:effectLst/>
+        </p:spPr>
+        <p:style>
+          <a:lnRef idx="1">
+            <a:schemeClr val="accent1"/>
+          </a:lnRef>
+          <a:fillRef idx="3">
+            <a:schemeClr val="accent1"/>
+          </a:fillRef>
+          <a:effectRef idx="2">
+            <a:schemeClr val="accent1"/>
+          </a:effectRef>
+          <a:fontRef idx="minor">
+            <a:schemeClr val="lt1"/>
+          </a:fontRef>
+        </p:style>
+        <p:txBody>
+          <a:bodyPr rtlCol="0" anchor="ctr"/>
+          <a:lstStyle/>
+          <a:p>
+            <a:pPr algn="ctr"/>
+            <a:endParaRPr kumimoji="1" lang="ja-JP" altLang="en-US" sz="2400" dirty="0"/>
+          </a:p>
+        </p:txBody>
+      </p:sp>
+      <p:sp>
+        <p:nvSpPr>
+          <p:cNvPr id="22" name="テキスト ボックス 21"/>
+          <p:cNvSpPr txBox="1"/>
+          <p:nvPr/>
+        </p:nvSpPr>
+        <p:spPr>
+          <a:xfrm>
+            <a:off x="5844995" y="276051"/>
+            <a:ext cx="2703384" cy="830997"/>
+          </a:xfrm>
+          <a:prstGeom prst="rect">
+            <a:avLst/>
+          </a:prstGeom>
+          <a:noFill/>
+        </p:spPr>
+        <p:txBody>
+          <a:bodyPr wrap="none" rtlCol="0">
+            <a:spAutoFit/>
+          </a:bodyPr>
+          <a:lstStyle/>
+          <a:p>
+            <a:r>
+              <a:rPr kumimoji="1" lang="ja-JP" altLang="en-US" sz="2400" dirty="0" smtClean="0">
+                <a:solidFill>
+                  <a:srgbClr val="0000FF"/>
+                </a:solidFill>
+              </a:rPr>
+              <a:t>取り出しだいものは</a:t>
+            </a:r>
+            <a:endParaRPr lang="en-US" altLang="ja-JP" sz="2400" dirty="0">
+              <a:solidFill>
+                <a:srgbClr val="0000FF"/>
+              </a:solidFill>
+            </a:endParaRPr>
+          </a:p>
+          <a:p>
+            <a:r>
+              <a:rPr lang="ja-JP" altLang="en-US" sz="2400" dirty="0" smtClean="0">
+                <a:solidFill>
+                  <a:srgbClr val="0000FF"/>
+                </a:solidFill>
+              </a:rPr>
+              <a:t>ありとあらゆる</a:t>
+            </a:r>
+            <a:r>
+              <a:rPr lang="ja-JP" altLang="en-US" sz="2400" dirty="0" smtClean="0">
+                <a:solidFill>
+                  <a:srgbClr val="0000FF"/>
+                </a:solidFill>
+              </a:rPr>
+              <a:t>種類</a:t>
+            </a:r>
+            <a:endParaRPr kumimoji="1" lang="ja-JP" altLang="en-US" sz="2400" dirty="0">
+              <a:solidFill>
+                <a:srgbClr val="0000FF"/>
+              </a:solidFill>
+            </a:endParaRPr>
+          </a:p>
+        </p:txBody>
+      </p:sp>
+      <p:sp>
+        <p:nvSpPr>
+          <p:cNvPr id="23" name="テキスト ボックス 22"/>
+          <p:cNvSpPr txBox="1"/>
+          <p:nvPr/>
+        </p:nvSpPr>
+        <p:spPr>
+          <a:xfrm>
+            <a:off x="302420" y="3800379"/>
+            <a:ext cx="2438288" cy="830997"/>
+          </a:xfrm>
+          <a:prstGeom prst="rect">
+            <a:avLst/>
+          </a:prstGeom>
+          <a:noFill/>
+        </p:spPr>
+        <p:txBody>
+          <a:bodyPr wrap="none" rtlCol="0">
+            <a:spAutoFit/>
+          </a:bodyPr>
+          <a:lstStyle/>
+          <a:p>
+            <a:r>
+              <a:rPr lang="ja-JP" altLang="en-US" sz="2400" dirty="0" smtClean="0">
+                <a:solidFill>
+                  <a:srgbClr val="0000FF"/>
+                </a:solidFill>
+              </a:rPr>
+              <a:t>言語処理</a:t>
+            </a:r>
+            <a:endParaRPr lang="en-US" altLang="ja-JP" sz="2400" dirty="0" smtClean="0">
+              <a:solidFill>
+                <a:srgbClr val="0000FF"/>
+              </a:solidFill>
+            </a:endParaRPr>
+          </a:p>
+          <a:p>
+            <a:r>
+              <a:rPr kumimoji="1" lang="en-US" altLang="ja-JP" sz="2400" dirty="0" smtClean="0">
+                <a:solidFill>
+                  <a:srgbClr val="0000FF"/>
+                </a:solidFill>
+              </a:rPr>
+              <a:t>=</a:t>
+            </a:r>
+            <a:r>
+              <a:rPr kumimoji="1" lang="ja-JP" altLang="en-US" sz="2400" dirty="0" smtClean="0">
+                <a:solidFill>
+                  <a:srgbClr val="0000FF"/>
+                </a:solidFill>
+              </a:rPr>
+              <a:t>インターフェース</a:t>
+            </a:r>
+            <a:endParaRPr kumimoji="1" lang="ja-JP" altLang="en-US" sz="2400" dirty="0">
+              <a:solidFill>
+                <a:srgbClr val="0000FF"/>
+              </a:solidFill>
+            </a:endParaRPr>
+          </a:p>
+        </p:txBody>
+      </p:sp>
+      <p:sp>
+        <p:nvSpPr>
+          <p:cNvPr id="24" name="テキスト ボックス 23"/>
+          <p:cNvSpPr txBox="1"/>
+          <p:nvPr/>
+        </p:nvSpPr>
+        <p:spPr>
+          <a:xfrm>
+            <a:off x="6202169" y="1791921"/>
+            <a:ext cx="2941831" cy="1200329"/>
+          </a:xfrm>
+          <a:prstGeom prst="rect">
+            <a:avLst/>
+          </a:prstGeom>
+          <a:noFill/>
+        </p:spPr>
+        <p:txBody>
+          <a:bodyPr wrap="none" rtlCol="0">
+            <a:spAutoFit/>
+          </a:bodyPr>
+          <a:lstStyle/>
+          <a:p>
+            <a:pPr marL="285750" indent="-285750">
+              <a:buFont typeface="Arial"/>
+              <a:buChar char="•"/>
+            </a:pPr>
+            <a:r>
+              <a:rPr kumimoji="1" lang="ja-JP" altLang="en-US" dirty="0" smtClean="0"/>
+              <a:t>企業業績に関する文</a:t>
+            </a:r>
+            <a:endParaRPr kumimoji="1" lang="en-US" altLang="ja-JP" dirty="0" smtClean="0"/>
+          </a:p>
+          <a:p>
+            <a:pPr marL="285750" indent="-285750">
+              <a:buFont typeface="Arial"/>
+              <a:buChar char="•"/>
+            </a:pPr>
+            <a:r>
+              <a:rPr lang="ja-JP" altLang="en-US" dirty="0" smtClean="0"/>
+              <a:t>株価の動向に直結する語</a:t>
+            </a:r>
+            <a:endParaRPr kumimoji="1" lang="en-US" altLang="ja-JP" dirty="0" smtClean="0"/>
+          </a:p>
+          <a:p>
+            <a:pPr marL="285750" indent="-285750">
+              <a:buFont typeface="Arial"/>
+              <a:buChar char="•"/>
+            </a:pPr>
+            <a:r>
+              <a:rPr lang="ja-JP" altLang="en-US" dirty="0" smtClean="0"/>
+              <a:t>回答文で主要な意見</a:t>
+            </a:r>
+            <a:endParaRPr lang="en-US" altLang="ja-JP" dirty="0" smtClean="0"/>
+          </a:p>
+          <a:p>
+            <a:pPr marL="285750" indent="-285750">
+              <a:buFont typeface="Arial"/>
+              <a:buChar char="•"/>
+            </a:pPr>
+            <a:r>
+              <a:rPr kumimoji="1" lang="ja-JP" altLang="en-US" dirty="0" smtClean="0"/>
+              <a:t>介護施設での問題</a:t>
+            </a:r>
+            <a:endParaRPr kumimoji="1" lang="ja-JP" altLang="en-US" dirty="0"/>
+          </a:p>
+        </p:txBody>
+      </p:sp>
+      <p:sp>
+        <p:nvSpPr>
+          <p:cNvPr id="28" name="テキスト ボックス 27"/>
+          <p:cNvSpPr txBox="1"/>
+          <p:nvPr/>
+        </p:nvSpPr>
+        <p:spPr>
+          <a:xfrm>
+            <a:off x="2586831" y="1103816"/>
+            <a:ext cx="1993454" cy="646331"/>
+          </a:xfrm>
+          <a:prstGeom prst="rect">
+            <a:avLst/>
+          </a:prstGeom>
+          <a:noFill/>
+        </p:spPr>
+        <p:txBody>
+          <a:bodyPr wrap="none" rtlCol="0">
+            <a:spAutoFit/>
+          </a:bodyPr>
+          <a:lstStyle/>
+          <a:p>
+            <a:r>
+              <a:rPr kumimoji="1" lang="ja-JP" altLang="en-US" dirty="0" smtClean="0"/>
+              <a:t>「下方修正」を含む</a:t>
+            </a:r>
+            <a:endParaRPr kumimoji="1" lang="en-US" altLang="ja-JP" dirty="0" smtClean="0"/>
+          </a:p>
+          <a:p>
+            <a:r>
+              <a:rPr kumimoji="1" lang="ja-JP" altLang="en-US" dirty="0" smtClean="0"/>
+              <a:t>テキストは</a:t>
+            </a:r>
+            <a:r>
+              <a:rPr kumimoji="1" lang="en-US" altLang="ja-JP" dirty="0" smtClean="0"/>
+              <a:t>?</a:t>
+            </a:r>
+          </a:p>
+        </p:txBody>
+      </p:sp>
+      <p:sp>
+        <p:nvSpPr>
+          <p:cNvPr id="29" name="テキスト ボックス 28"/>
+          <p:cNvSpPr txBox="1"/>
+          <p:nvPr/>
+        </p:nvSpPr>
+        <p:spPr>
+          <a:xfrm>
+            <a:off x="2586831" y="2028339"/>
+            <a:ext cx="1993454" cy="646331"/>
+          </a:xfrm>
+          <a:prstGeom prst="rect">
+            <a:avLst/>
+          </a:prstGeom>
+          <a:noFill/>
+        </p:spPr>
+        <p:txBody>
+          <a:bodyPr wrap="none" rtlCol="0">
+            <a:spAutoFit/>
+          </a:bodyPr>
+          <a:lstStyle/>
+          <a:p>
+            <a:r>
+              <a:rPr kumimoji="1" lang="ja-JP" altLang="en-US" dirty="0" smtClean="0"/>
+              <a:t>「下方修正」を含む</a:t>
+            </a:r>
+            <a:endParaRPr kumimoji="1" lang="en-US" altLang="ja-JP" dirty="0" smtClean="0"/>
+          </a:p>
+          <a:p>
+            <a:r>
+              <a:rPr kumimoji="1" lang="ja-JP" altLang="en-US" dirty="0" smtClean="0"/>
+              <a:t>テキスト集合</a:t>
+            </a:r>
+            <a:endParaRPr kumimoji="1" lang="ja-JP" altLang="en-US" dirty="0"/>
+          </a:p>
+        </p:txBody>
+      </p:sp>
+      <p:sp>
+        <p:nvSpPr>
+          <p:cNvPr id="30" name="テキスト ボックス 29"/>
+          <p:cNvSpPr txBox="1"/>
+          <p:nvPr/>
+        </p:nvSpPr>
+        <p:spPr>
+          <a:xfrm>
+            <a:off x="5074074" y="1612212"/>
+            <a:ext cx="1282923" cy="1200329"/>
+          </a:xfrm>
+          <a:prstGeom prst="rect">
+            <a:avLst/>
+          </a:prstGeom>
+          <a:noFill/>
+        </p:spPr>
+        <p:txBody>
+          <a:bodyPr wrap="none" rtlCol="0">
+            <a:spAutoFit/>
+          </a:bodyPr>
+          <a:lstStyle/>
+          <a:p>
+            <a:r>
+              <a:rPr kumimoji="1" lang="ja-JP" altLang="en-US" dirty="0" smtClean="0"/>
+              <a:t>共起グラフ</a:t>
+            </a:r>
+            <a:endParaRPr kumimoji="1" lang="en-US" altLang="ja-JP" dirty="0" smtClean="0"/>
+          </a:p>
+          <a:p>
+            <a:r>
+              <a:rPr lang="ja-JP" altLang="en-US" dirty="0" smtClean="0"/>
+              <a:t>または</a:t>
+            </a:r>
+            <a:endParaRPr lang="en-US" altLang="ja-JP" dirty="0" smtClean="0"/>
+          </a:p>
+          <a:p>
+            <a:r>
+              <a:rPr kumimoji="1" lang="en-US" altLang="ja-JP" dirty="0" smtClean="0"/>
+              <a:t>SVM</a:t>
+            </a:r>
+            <a:r>
+              <a:rPr kumimoji="1" lang="ja-JP" altLang="en-US" dirty="0" smtClean="0"/>
+              <a:t>など</a:t>
+            </a:r>
+            <a:endParaRPr kumimoji="1" lang="en-US" altLang="ja-JP" dirty="0" smtClean="0"/>
+          </a:p>
+          <a:p>
+            <a:r>
+              <a:rPr lang="ja-JP" altLang="en-US" dirty="0" smtClean="0"/>
+              <a:t>判別器</a:t>
+            </a:r>
+            <a:endParaRPr kumimoji="1" lang="ja-JP" altLang="en-US" dirty="0"/>
+          </a:p>
+        </p:txBody>
+      </p:sp>
+      <p:sp>
+        <p:nvSpPr>
+          <p:cNvPr id="31" name="テキスト ボックス 30"/>
+          <p:cNvSpPr txBox="1"/>
+          <p:nvPr/>
+        </p:nvSpPr>
+        <p:spPr>
+          <a:xfrm>
+            <a:off x="200356" y="4631376"/>
+            <a:ext cx="3813865" cy="1015663"/>
+          </a:xfrm>
+          <a:prstGeom prst="rect">
+            <a:avLst/>
+          </a:prstGeom>
+          <a:noFill/>
+        </p:spPr>
+        <p:txBody>
+          <a:bodyPr wrap="none" rtlCol="0">
+            <a:spAutoFit/>
+          </a:bodyPr>
+          <a:lstStyle/>
+          <a:p>
+            <a:r>
+              <a:rPr kumimoji="1" lang="ja-JP" altLang="en-US" sz="2000" dirty="0" smtClean="0"/>
+              <a:t>あらゆる問い合わせを受ける</a:t>
+            </a:r>
+            <a:endParaRPr kumimoji="1" lang="en-US" altLang="ja-JP" sz="2000" dirty="0" smtClean="0"/>
+          </a:p>
+          <a:p>
+            <a:pPr marL="342900" indent="-342900">
+              <a:buFont typeface="Symbol" charset="0"/>
+              <a:buChar char=""/>
+            </a:pPr>
+            <a:r>
+              <a:rPr lang="ja-JP" altLang="en-US" sz="2000" dirty="0" smtClean="0"/>
+              <a:t>分野依存の様々な問い合わせ</a:t>
+            </a:r>
+            <a:endParaRPr lang="en-US" altLang="ja-JP" sz="2000" dirty="0" smtClean="0"/>
+          </a:p>
+          <a:p>
+            <a:r>
+              <a:rPr lang="ja-JP" altLang="en-US" sz="2000" dirty="0" smtClean="0"/>
+              <a:t>　　をうける必要</a:t>
+            </a:r>
+            <a:endParaRPr kumimoji="1" lang="ja-JP" altLang="en-US" sz="2000" dirty="0"/>
+          </a:p>
+        </p:txBody>
+      </p:sp>
+      <p:sp>
+        <p:nvSpPr>
+          <p:cNvPr id="32" name="正方形/長方形 31"/>
+          <p:cNvSpPr/>
+          <p:nvPr/>
+        </p:nvSpPr>
+        <p:spPr>
+          <a:xfrm>
+            <a:off x="5074074" y="1541326"/>
+            <a:ext cx="1106593" cy="1461264"/>
+          </a:xfrm>
+          <a:prstGeom prst="rect">
+            <a:avLst/>
+          </a:prstGeom>
+          <a:noFill/>
+          <a:ln>
+            <a:solidFill>
+              <a:srgbClr val="0000FF"/>
+            </a:solidFill>
+          </a:ln>
+          <a:effectLst/>
+        </p:spPr>
+        <p:style>
+          <a:lnRef idx="1">
+            <a:schemeClr val="accent1"/>
+          </a:lnRef>
+          <a:fillRef idx="3">
+            <a:schemeClr val="accent1"/>
+          </a:fillRef>
+          <a:effectRef idx="2">
+            <a:schemeClr val="accent1"/>
+          </a:effectRef>
+          <a:fontRef idx="minor">
+            <a:schemeClr val="lt1"/>
+          </a:fontRef>
+        </p:style>
+        <p:txBody>
+          <a:bodyPr rtlCol="0" anchor="ctr"/>
+          <a:lstStyle/>
+          <a:p>
+            <a:pPr algn="ctr"/>
+            <a:endParaRPr kumimoji="1" lang="ja-JP" altLang="en-US"/>
+          </a:p>
+        </p:txBody>
+      </p:sp>
+      <p:sp>
+        <p:nvSpPr>
+          <p:cNvPr id="33" name="円柱 32"/>
+          <p:cNvSpPr/>
+          <p:nvPr/>
+        </p:nvSpPr>
+        <p:spPr>
+          <a:xfrm>
+            <a:off x="4580285" y="3589340"/>
+            <a:ext cx="1600382" cy="876630"/>
+          </a:xfrm>
+          <a:prstGeom prst="can">
+            <a:avLst/>
+          </a:prstGeom>
+          <a:noFill/>
+          <a:ln>
+            <a:solidFill>
+              <a:srgbClr val="0000FF"/>
+            </a:solidFill>
+          </a:ln>
+          <a:effectLst/>
+        </p:spPr>
+        <p:style>
+          <a:lnRef idx="1">
+            <a:schemeClr val="accent1"/>
+          </a:lnRef>
+          <a:fillRef idx="3">
+            <a:schemeClr val="accent1"/>
+          </a:fillRef>
+          <a:effectRef idx="2">
+            <a:schemeClr val="accent1"/>
+          </a:effectRef>
+          <a:fontRef idx="minor">
+            <a:schemeClr val="lt1"/>
+          </a:fontRef>
+        </p:style>
+        <p:txBody>
+          <a:bodyPr rtlCol="0" anchor="ctr"/>
+          <a:lstStyle/>
+          <a:p>
+            <a:pPr algn="ctr"/>
+            <a:endParaRPr kumimoji="1" lang="ja-JP" altLang="en-US"/>
+          </a:p>
+        </p:txBody>
+      </p:sp>
+      <p:sp>
+        <p:nvSpPr>
+          <p:cNvPr id="34" name="テキスト ボックス 33"/>
+          <p:cNvSpPr txBox="1"/>
+          <p:nvPr/>
+        </p:nvSpPr>
+        <p:spPr>
+          <a:xfrm>
+            <a:off x="4798193" y="3858167"/>
+            <a:ext cx="1289235" cy="369332"/>
+          </a:xfrm>
+          <a:prstGeom prst="rect">
+            <a:avLst/>
+          </a:prstGeom>
+          <a:noFill/>
+        </p:spPr>
+        <p:txBody>
+          <a:bodyPr wrap="none" rtlCol="0">
+            <a:spAutoFit/>
+          </a:bodyPr>
+          <a:lstStyle/>
+          <a:p>
+            <a:r>
+              <a:rPr kumimoji="1" lang="ja-JP" altLang="en-US" dirty="0" smtClean="0"/>
+              <a:t>数値データ</a:t>
+            </a:r>
+            <a:endParaRPr kumimoji="1" lang="ja-JP" altLang="en-US" dirty="0"/>
+          </a:p>
+        </p:txBody>
+      </p:sp>
+      <p:sp>
+        <p:nvSpPr>
+          <p:cNvPr id="35" name="上矢印 34"/>
+          <p:cNvSpPr/>
+          <p:nvPr/>
+        </p:nvSpPr>
+        <p:spPr>
+          <a:xfrm>
+            <a:off x="5107370" y="2926074"/>
+            <a:ext cx="737625" cy="607803"/>
+          </a:xfrm>
+          <a:prstGeom prst="upArrow">
+            <a:avLst/>
+          </a:prstGeom>
+          <a:noFill/>
+          <a:ln>
+            <a:solidFill>
+              <a:srgbClr val="0000FF"/>
+            </a:solidFill>
+          </a:ln>
+          <a:effectLst/>
+        </p:spPr>
+        <p:style>
+          <a:lnRef idx="1">
+            <a:schemeClr val="accent1"/>
+          </a:lnRef>
+          <a:fillRef idx="3">
+            <a:schemeClr val="accent1"/>
+          </a:fillRef>
+          <a:effectRef idx="2">
+            <a:schemeClr val="accent1"/>
+          </a:effectRef>
+          <a:fontRef idx="minor">
+            <a:schemeClr val="lt1"/>
+          </a:fontRef>
+        </p:style>
+        <p:txBody>
+          <a:bodyPr rtlCol="0" anchor="ctr"/>
+          <a:lstStyle/>
+          <a:p>
+            <a:pPr algn="ctr"/>
+            <a:endParaRPr kumimoji="1" lang="ja-JP" altLang="en-US"/>
+          </a:p>
+        </p:txBody>
+      </p:sp>
+      <p:sp>
+        <p:nvSpPr>
+          <p:cNvPr id="36" name="テキスト ボックス 35"/>
+          <p:cNvSpPr txBox="1"/>
+          <p:nvPr/>
+        </p:nvSpPr>
+        <p:spPr>
+          <a:xfrm>
+            <a:off x="5123486" y="1050867"/>
+            <a:ext cx="877163" cy="369332"/>
+          </a:xfrm>
+          <a:prstGeom prst="rect">
+            <a:avLst/>
+          </a:prstGeom>
+          <a:noFill/>
+        </p:spPr>
+        <p:txBody>
+          <a:bodyPr wrap="none" rtlCol="0">
+            <a:spAutoFit/>
+          </a:bodyPr>
+          <a:lstStyle/>
+          <a:p>
+            <a:r>
+              <a:rPr kumimoji="1" lang="ja-JP" altLang="en-US" dirty="0" smtClean="0"/>
+              <a:t>可視化</a:t>
+            </a:r>
+            <a:endParaRPr kumimoji="1" lang="ja-JP" altLang="en-US" dirty="0"/>
+          </a:p>
+        </p:txBody>
+      </p:sp>
+      <p:sp>
+        <p:nvSpPr>
+          <p:cNvPr id="37" name="テキスト ボックス 36"/>
+          <p:cNvSpPr txBox="1"/>
+          <p:nvPr/>
+        </p:nvSpPr>
+        <p:spPr>
+          <a:xfrm>
+            <a:off x="6655119" y="4193945"/>
+            <a:ext cx="2167480" cy="369332"/>
+          </a:xfrm>
+          <a:prstGeom prst="rect">
+            <a:avLst/>
+          </a:prstGeom>
+          <a:noFill/>
+        </p:spPr>
+        <p:txBody>
+          <a:bodyPr wrap="none" rtlCol="0">
+            <a:spAutoFit/>
+          </a:bodyPr>
+          <a:lstStyle/>
+          <a:p>
+            <a:r>
+              <a:rPr kumimoji="1" lang="ja-JP" altLang="en-US" dirty="0" smtClean="0"/>
+              <a:t>パターン化は不可能</a:t>
+            </a:r>
+            <a:endParaRPr kumimoji="1" lang="ja-JP" altLang="en-US" dirty="0"/>
+          </a:p>
+        </p:txBody>
+      </p:sp>
+    </p:spTree>
+    <p:extLst>
+      <p:ext uri="{BB962C8B-B14F-4D97-AF65-F5344CB8AC3E}">
+        <p14:creationId xmlns:p14="http://schemas.microsoft.com/office/powerpoint/2010/main" val="3925057798"/>
+      </p:ext>
+    </p:extLst>
+  </p:cSld>
+  <p:clrMapOvr>
+    <a:masterClrMapping/>
+  </p:clrMapOvr>
 </p:sld>
 </file>
 

--- a/fig/figure.pptx
+++ b/fig/figure.pptx
@@ -5400,7 +5400,7 @@
         <p:spPr>
           <a:xfrm>
             <a:off x="5844995" y="276051"/>
-            <a:ext cx="2703384" cy="830997"/>
+            <a:ext cx="3226364" cy="830997"/>
           </a:xfrm>
           <a:prstGeom prst="rect">
             <a:avLst/>
@@ -5414,35 +5414,43 @@
           <a:lstStyle/>
           <a:p>
             <a:r>
-              <a:rPr kumimoji="1" lang="ja-JP" altLang="en-US" sz="2400" dirty="0" smtClean="0">
+              <a:rPr lang="ja-JP" altLang="en-US" sz="2400" dirty="0">
                 <a:solidFill>
                   <a:srgbClr val="0000FF"/>
                 </a:solidFill>
               </a:rPr>
-              <a:t>取り出しだいものは</a:t>
-            </a:r>
-            <a:endParaRPr lang="en-US" altLang="ja-JP" sz="2400" dirty="0">
-              <a:solidFill>
-                <a:srgbClr val="0000FF"/>
-              </a:solidFill>
-            </a:endParaRPr>
-          </a:p>
-          <a:p>
+              <a:t>抽出対象となる知識</a:t>
+            </a:r>
             <a:r>
               <a:rPr lang="ja-JP" altLang="en-US" sz="2400" dirty="0" smtClean="0">
                 <a:solidFill>
                   <a:srgbClr val="0000FF"/>
                 </a:solidFill>
               </a:rPr>
-              <a:t>ありとあらゆる</a:t>
-            </a:r>
+              <a:t>・</a:t>
+            </a:r>
+            <a:endParaRPr lang="en-US" altLang="ja-JP" sz="2400" dirty="0" smtClean="0">
+              <a:solidFill>
+                <a:srgbClr val="0000FF"/>
+              </a:solidFill>
+            </a:endParaRPr>
+          </a:p>
+          <a:p>
             <a:r>
               <a:rPr lang="ja-JP" altLang="en-US" sz="2400" dirty="0" smtClean="0">
                 <a:solidFill>
                   <a:srgbClr val="0000FF"/>
                 </a:solidFill>
               </a:rPr>
-              <a:t>種類</a:t>
+              <a:t>情報</a:t>
+            </a:r>
+            <a:r>
+              <a:rPr lang="ja-JP" altLang="en-US" sz="2400" dirty="0">
+                <a:solidFill>
+                  <a:srgbClr val="0000FF"/>
+                </a:solidFill>
+              </a:rPr>
+              <a:t>は極めて多種多様</a:t>
             </a:r>
             <a:endParaRPr kumimoji="1" lang="ja-JP" altLang="en-US" sz="2400" dirty="0">
               <a:solidFill>

--- a/fig/figure.pptx
+++ b/fig/figure.pptx
@@ -290,7 +290,7 @@
           <a:p>
             <a:fld id="{AC850509-64E3-E24B-9F03-8F6E4006AC67}" type="datetimeFigureOut">
               <a:rPr kumimoji="1" lang="ja-JP" altLang="en-US" smtClean="0"/>
-              <a:t>2016/02/19</a:t>
+              <a:t>2016/02/20</a:t>
             </a:fld>
             <a:endParaRPr kumimoji="1" lang="ja-JP" altLang="en-US"/>
           </a:p>
@@ -492,7 +492,7 @@
           <a:p>
             <a:fld id="{AC850509-64E3-E24B-9F03-8F6E4006AC67}" type="datetimeFigureOut">
               <a:rPr kumimoji="1" lang="ja-JP" altLang="en-US" smtClean="0"/>
-              <a:t>2016/02/19</a:t>
+              <a:t>2016/02/20</a:t>
             </a:fld>
             <a:endParaRPr kumimoji="1" lang="ja-JP" altLang="en-US"/>
           </a:p>
@@ -704,7 +704,7 @@
           <a:p>
             <a:fld id="{AC850509-64E3-E24B-9F03-8F6E4006AC67}" type="datetimeFigureOut">
               <a:rPr kumimoji="1" lang="ja-JP" altLang="en-US" smtClean="0"/>
-              <a:t>2016/02/19</a:t>
+              <a:t>2016/02/20</a:t>
             </a:fld>
             <a:endParaRPr kumimoji="1" lang="ja-JP" altLang="en-US"/>
           </a:p>
@@ -906,7 +906,7 @@
           <a:p>
             <a:fld id="{AC850509-64E3-E24B-9F03-8F6E4006AC67}" type="datetimeFigureOut">
               <a:rPr kumimoji="1" lang="ja-JP" altLang="en-US" smtClean="0"/>
-              <a:t>2016/02/19</a:t>
+              <a:t>2016/02/20</a:t>
             </a:fld>
             <a:endParaRPr kumimoji="1" lang="ja-JP" altLang="en-US"/>
           </a:p>
@@ -1152,7 +1152,7 @@
           <a:p>
             <a:fld id="{AC850509-64E3-E24B-9F03-8F6E4006AC67}" type="datetimeFigureOut">
               <a:rPr kumimoji="1" lang="ja-JP" altLang="en-US" smtClean="0"/>
-              <a:t>2016/02/19</a:t>
+              <a:t>2016/02/20</a:t>
             </a:fld>
             <a:endParaRPr kumimoji="1" lang="ja-JP" altLang="en-US"/>
           </a:p>
@@ -1504,7 +1504,7 @@
           <a:p>
             <a:fld id="{AC850509-64E3-E24B-9F03-8F6E4006AC67}" type="datetimeFigureOut">
               <a:rPr kumimoji="1" lang="ja-JP" altLang="en-US" smtClean="0"/>
-              <a:t>2016/02/19</a:t>
+              <a:t>2016/02/20</a:t>
             </a:fld>
             <a:endParaRPr kumimoji="1" lang="ja-JP" altLang="en-US"/>
           </a:p>
@@ -1990,7 +1990,7 @@
           <a:p>
             <a:fld id="{AC850509-64E3-E24B-9F03-8F6E4006AC67}" type="datetimeFigureOut">
               <a:rPr kumimoji="1" lang="ja-JP" altLang="en-US" smtClean="0"/>
-              <a:t>2016/02/19</a:t>
+              <a:t>2016/02/20</a:t>
             </a:fld>
             <a:endParaRPr kumimoji="1" lang="ja-JP" altLang="en-US"/>
           </a:p>
@@ -2108,7 +2108,7 @@
           <a:p>
             <a:fld id="{AC850509-64E3-E24B-9F03-8F6E4006AC67}" type="datetimeFigureOut">
               <a:rPr kumimoji="1" lang="ja-JP" altLang="en-US" smtClean="0"/>
-              <a:t>2016/02/19</a:t>
+              <a:t>2016/02/20</a:t>
             </a:fld>
             <a:endParaRPr kumimoji="1" lang="ja-JP" altLang="en-US"/>
           </a:p>
@@ -2203,7 +2203,7 @@
           <a:p>
             <a:fld id="{AC850509-64E3-E24B-9F03-8F6E4006AC67}" type="datetimeFigureOut">
               <a:rPr kumimoji="1" lang="ja-JP" altLang="en-US" smtClean="0"/>
-              <a:t>2016/02/19</a:t>
+              <a:t>2016/02/20</a:t>
             </a:fld>
             <a:endParaRPr kumimoji="1" lang="ja-JP" altLang="en-US"/>
           </a:p>
@@ -2512,7 +2512,7 @@
           <a:p>
             <a:fld id="{AC850509-64E3-E24B-9F03-8F6E4006AC67}" type="datetimeFigureOut">
               <a:rPr kumimoji="1" lang="ja-JP" altLang="en-US" smtClean="0"/>
-              <a:t>2016/02/19</a:t>
+              <a:t>2016/02/20</a:t>
             </a:fld>
             <a:endParaRPr kumimoji="1" lang="ja-JP" altLang="en-US"/>
           </a:p>
@@ -2765,7 +2765,7 @@
           <a:p>
             <a:fld id="{AC850509-64E3-E24B-9F03-8F6E4006AC67}" type="datetimeFigureOut">
               <a:rPr kumimoji="1" lang="ja-JP" altLang="en-US" smtClean="0"/>
-              <a:t>2016/02/19</a:t>
+              <a:t>2016/02/20</a:t>
             </a:fld>
             <a:endParaRPr kumimoji="1" lang="ja-JP" altLang="en-US"/>
           </a:p>
@@ -3010,7 +3010,7 @@
           <a:p>
             <a:fld id="{AC850509-64E3-E24B-9F03-8F6E4006AC67}" type="datetimeFigureOut">
               <a:rPr kumimoji="1" lang="ja-JP" altLang="en-US" smtClean="0"/>
-              <a:t>2016/02/19</a:t>
+              <a:t>2016/02/20</a:t>
             </a:fld>
             <a:endParaRPr kumimoji="1" lang="ja-JP" altLang="en-US"/>
           </a:p>
@@ -5272,22 +5272,14 @@
           <a:p>
             <a:r>
               <a:rPr kumimoji="1" lang="ja-JP" altLang="en-US" sz="2400" dirty="0" smtClean="0"/>
-              <a:t>ユーザの</a:t>
-            </a:r>
-            <a:r>
-              <a:rPr kumimoji="1" lang="ja-JP" altLang="en-US" sz="2400" dirty="0" smtClean="0"/>
-              <a:t>処理</a:t>
+              <a:t>ユーザの処理</a:t>
             </a:r>
             <a:endParaRPr kumimoji="1" lang="en-US" altLang="ja-JP" sz="2400" dirty="0" smtClean="0"/>
           </a:p>
           <a:p>
             <a:r>
               <a:rPr kumimoji="1" lang="en-US" altLang="ja-JP" sz="2400" dirty="0" smtClean="0"/>
-              <a:t> </a:t>
-            </a:r>
-            <a:r>
-              <a:rPr kumimoji="1" lang="en-US" altLang="ja-JP" sz="2400" dirty="0" smtClean="0"/>
-              <a:t>(</a:t>
+              <a:t> (</a:t>
             </a:r>
             <a:r>
               <a:rPr kumimoji="1" lang="ja-JP" altLang="en-US" sz="2400" dirty="0" smtClean="0"/>
@@ -5762,7 +5754,15 @@
           <a:p>
             <a:r>
               <a:rPr lang="ja-JP" altLang="en-US" sz="2000" dirty="0" smtClean="0"/>
-              <a:t>　　をうける必要</a:t>
+              <a:t>　　をうける</a:t>
+            </a:r>
+            <a:r>
+              <a:rPr lang="ja-JP" altLang="en-US" sz="2000" dirty="0" smtClean="0"/>
+              <a:t>必要</a:t>
+            </a:r>
+            <a:r>
+              <a:rPr lang="ja-JP" altLang="en-US" sz="2000" dirty="0" smtClean="0"/>
+              <a:t>がある</a:t>
             </a:r>
             <a:endParaRPr kumimoji="1" lang="ja-JP" altLang="en-US" sz="2000" dirty="0"/>
           </a:p>
